--- a/Digital Porto.pptx
+++ b/Digital Porto.pptx
@@ -4678,6 +4678,12 @@
           <a:p>
             <a:r>
               <a:rPr lang="en-US" sz="3200" dirty="0"/>
+              <a:t>Internet of Things</a:t>
+            </a:r>
+          </a:p>
+          <a:p>
+            <a:r>
+              <a:rPr lang="en-US" sz="3200" dirty="0"/>
               <a:t>Smart house principle</a:t>
             </a:r>
           </a:p>
@@ -4696,20 +4702,15 @@
             </a:r>
           </a:p>
           <a:p>
-            <a:pPr lvl="1"/>
-            <a:r>
-              <a:rPr lang="en-US" sz="2400" dirty="0"/>
-              <a:t>Step towards smart city</a:t>
-            </a:r>
-          </a:p>
-          <a:p>
             <a:r>
               <a:rPr lang="en-US" sz="2600" dirty="0"/>
-              <a:t>Mobile based room control</a:t>
-            </a:r>
-          </a:p>
-          <a:p>
-            <a:pPr lvl="1"/>
+              <a:t>One step towards smart city</a:t>
+            </a:r>
+          </a:p>
+          <a:p>
+            <a:pPr marL="320040" lvl="1" indent="0">
+              <a:buNone/>
+            </a:pPr>
             <a:endParaRPr lang="en-US" dirty="0"/>
           </a:p>
           <a:p>
@@ -4800,7 +4801,7 @@
           <a:p>
             <a:r>
               <a:rPr lang="en-US" sz="3200" dirty="0"/>
-              <a:t>Gather data using system</a:t>
+              <a:t>Gather data</a:t>
             </a:r>
           </a:p>
           <a:p>
